--- a/Angular-ReactiveForms.pptx
+++ b/Angular-ReactiveForms.pptx
@@ -5,11 +5,10 @@
     <p:sldMasterId id="2147483648" r:id="rId7"/>
   </p:sldMasterIdLst>
   <p:notesMasterIdLst>
-    <p:notesMasterId r:id="rId10"/>
+    <p:notesMasterId r:id="rId9"/>
   </p:notesMasterIdLst>
   <p:sldIdLst>
     <p:sldId id="257" r:id="rId8"/>
-    <p:sldId id="300" r:id="rId9"/>
   </p:sldIdLst>
   <p:sldSz cx="12192000" cy="6858000"/>
   <p:notesSz cx="6858000" cy="9144000"/>
@@ -117,9 +116,7 @@
           </p14:sldIdLst>
         </p14:section>
         <p14:section name="Start" id="{04D5230C-D0A0-41A6-AA4B-531C71E14636}">
-          <p14:sldIdLst>
-            <p14:sldId id="300"/>
-          </p14:sldIdLst>
+          <p14:sldIdLst/>
         </p14:section>
       </p14:sectionLst>
     </p:ext>
@@ -224,7 +221,7 @@
           <a:p>
             <a:fld id="{46C003B6-BCEA-46F3-841E-7B3EC6052E68}" type="datetimeFigureOut">
               <a:rPr lang="en-BE" smtClean="0"/>
-              <a:t>08/01/2023</a:t>
+              <a:t>12/01/2023</a:t>
             </a:fld>
             <a:endParaRPr lang="en-BE"/>
           </a:p>
@@ -577,94 +574,6 @@
 </p:notes>
 </file>
 
-<file path=ppt/notesSlides/notesSlide2.xml><?xml version="1.0" encoding="utf-8"?>
-<p:notes xmlns:a="http://schemas.openxmlformats.org/drawingml/2006/main" xmlns:r="http://schemas.openxmlformats.org/officeDocument/2006/relationships" xmlns:p="http://schemas.openxmlformats.org/presentationml/2006/main">
-  <p:cSld>
-    <p:spTree>
-      <p:nvGrpSpPr>
-        <p:cNvPr id="1" name=""/>
-        <p:cNvGrpSpPr/>
-        <p:nvPr/>
-      </p:nvGrpSpPr>
-      <p:grpSpPr>
-        <a:xfrm>
-          <a:off x="0" y="0"/>
-          <a:ext cx="0" cy="0"/>
-          <a:chOff x="0" y="0"/>
-          <a:chExt cx="0" cy="0"/>
-        </a:xfrm>
-      </p:grpSpPr>
-      <p:sp>
-        <p:nvSpPr>
-          <p:cNvPr id="2" name="Slide Image Placeholder 1"/>
-          <p:cNvSpPr>
-            <a:spLocks noGrp="1" noRot="1" noChangeAspect="1"/>
-          </p:cNvSpPr>
-          <p:nvPr>
-            <p:ph type="sldImg"/>
-          </p:nvPr>
-        </p:nvSpPr>
-        <p:spPr/>
-      </p:sp>
-      <p:sp>
-        <p:nvSpPr>
-          <p:cNvPr id="3" name="Notes Placeholder 2"/>
-          <p:cNvSpPr>
-            <a:spLocks noGrp="1"/>
-          </p:cNvSpPr>
-          <p:nvPr>
-            <p:ph type="body" idx="1"/>
-          </p:nvPr>
-        </p:nvSpPr>
-        <p:spPr/>
-        <p:txBody>
-          <a:bodyPr/>
-          <a:lstStyle/>
-          <a:p>
-            <a:pPr marL="0" indent="0">
-              <a:buFont typeface="Arial" panose="020B0604020202020204" pitchFamily="34" charset="0"/>
-              <a:buNone/>
-            </a:pPr>
-            <a:endParaRPr lang="en-BE" dirty="0"/>
-          </a:p>
-        </p:txBody>
-      </p:sp>
-      <p:sp>
-        <p:nvSpPr>
-          <p:cNvPr id="4" name="Slide Number Placeholder 3"/>
-          <p:cNvSpPr>
-            <a:spLocks noGrp="1"/>
-          </p:cNvSpPr>
-          <p:nvPr>
-            <p:ph type="sldNum" sz="quarter" idx="5"/>
-          </p:nvPr>
-        </p:nvSpPr>
-        <p:spPr/>
-        <p:txBody>
-          <a:bodyPr/>
-          <a:lstStyle/>
-          <a:p>
-            <a:fld id="{8915C132-08CE-4B37-9E6D-AB9DDA075120}" type="slidenum">
-              <a:rPr lang="en-BE" smtClean="0"/>
-              <a:t>2</a:t>
-            </a:fld>
-            <a:endParaRPr lang="en-BE"/>
-          </a:p>
-        </p:txBody>
-      </p:sp>
-    </p:spTree>
-    <p:extLst>
-      <p:ext uri="{BB962C8B-B14F-4D97-AF65-F5344CB8AC3E}">
-        <p14:creationId xmlns:p14="http://schemas.microsoft.com/office/powerpoint/2010/main" val="604354376"/>
-      </p:ext>
-    </p:extLst>
-  </p:cSld>
-  <p:clrMapOvr>
-    <a:masterClrMapping/>
-  </p:clrMapOvr>
-</p:notes>
-</file>
-
 <file path=ppt/slideLayouts/slideLayout1.xml><?xml version="1.0" encoding="utf-8"?>
 <p:sldLayout xmlns:a="http://schemas.openxmlformats.org/drawingml/2006/main" xmlns:r="http://schemas.openxmlformats.org/officeDocument/2006/relationships" xmlns:p="http://schemas.openxmlformats.org/presentationml/2006/main" type="title" preserve="1">
   <p:cSld name="Title Slide">
@@ -868,7 +777,7 @@
             <a:fld id="{B61BEF0D-F0BB-DE4B-95CE-6DB70DBA9567}" type="datetimeFigureOut">
               <a:rPr lang="en-US" dirty="0"/>
               <a:pPr/>
-              <a:t>1/8/2023</a:t>
+              <a:t>1/12/2023</a:t>
             </a:fld>
             <a:endParaRPr lang="en-US" dirty="0"/>
           </a:p>
@@ -1156,7 +1065,7 @@
             <a:fld id="{B61BEF0D-F0BB-DE4B-95CE-6DB70DBA9567}" type="datetimeFigureOut">
               <a:rPr lang="en-US" dirty="0"/>
               <a:pPr/>
-              <a:t>1/8/2023</a:t>
+              <a:t>1/12/2023</a:t>
             </a:fld>
             <a:endParaRPr lang="en-US" dirty="0"/>
           </a:p>
@@ -1401,7 +1310,7 @@
             <a:fld id="{B61BEF0D-F0BB-DE4B-95CE-6DB70DBA9567}" type="datetimeFigureOut">
               <a:rPr lang="en-US" dirty="0"/>
               <a:pPr/>
-              <a:t>1/8/2023</a:t>
+              <a:t>1/12/2023</a:t>
             </a:fld>
             <a:endParaRPr lang="en-US" dirty="0"/>
           </a:p>
@@ -1934,7 +1843,7 @@
             <a:fld id="{B61BEF0D-F0BB-DE4B-95CE-6DB70DBA9567}" type="datetimeFigureOut">
               <a:rPr lang="en-US" dirty="0"/>
               <a:pPr/>
-              <a:t>1/8/2023</a:t>
+              <a:t>1/12/2023</a:t>
             </a:fld>
             <a:endParaRPr lang="en-US" dirty="0"/>
           </a:p>
@@ -2179,7 +2088,7 @@
             <a:fld id="{B61BEF0D-F0BB-DE4B-95CE-6DB70DBA9567}" type="datetimeFigureOut">
               <a:rPr lang="en-US" dirty="0"/>
               <a:pPr/>
-              <a:t>1/8/2023</a:t>
+              <a:t>1/12/2023</a:t>
             </a:fld>
             <a:endParaRPr lang="en-US" dirty="0"/>
           </a:p>
@@ -2719,7 +2628,7 @@
             <a:fld id="{B61BEF0D-F0BB-DE4B-95CE-6DB70DBA9567}" type="datetimeFigureOut">
               <a:rPr lang="en-US" dirty="0"/>
               <a:pPr/>
-              <a:t>1/8/2023</a:t>
+              <a:t>1/12/2023</a:t>
             </a:fld>
             <a:endParaRPr lang="en-US" dirty="0"/>
           </a:p>
@@ -3026,7 +2935,7 @@
             <a:fld id="{B61BEF0D-F0BB-DE4B-95CE-6DB70DBA9567}" type="datetimeFigureOut">
               <a:rPr lang="en-US" dirty="0"/>
               <a:pPr/>
-              <a:t>1/8/2023</a:t>
+              <a:t>1/12/2023</a:t>
             </a:fld>
             <a:endParaRPr lang="en-US" dirty="0"/>
           </a:p>
@@ -3198,7 +3107,7 @@
             <a:fld id="{B61BEF0D-F0BB-DE4B-95CE-6DB70DBA9567}" type="datetimeFigureOut">
               <a:rPr lang="en-US" dirty="0"/>
               <a:pPr/>
-              <a:t>1/8/2023</a:t>
+              <a:t>1/12/2023</a:t>
             </a:fld>
             <a:endParaRPr lang="en-US" dirty="0"/>
           </a:p>
@@ -3375,7 +3284,7 @@
             <a:fld id="{B61BEF0D-F0BB-DE4B-95CE-6DB70DBA9567}" type="datetimeFigureOut">
               <a:rPr lang="en-US" dirty="0"/>
               <a:pPr/>
-              <a:t>1/8/2023</a:t>
+              <a:t>1/12/2023</a:t>
             </a:fld>
             <a:endParaRPr lang="en-US" dirty="0"/>
           </a:p>
@@ -3542,7 +3451,7 @@
             <a:fld id="{B61BEF0D-F0BB-DE4B-95CE-6DB70DBA9567}" type="datetimeFigureOut">
               <a:rPr lang="en-US" dirty="0"/>
               <a:pPr/>
-              <a:t>1/8/2023</a:t>
+              <a:t>1/12/2023</a:t>
             </a:fld>
             <a:endParaRPr lang="en-US" dirty="0"/>
           </a:p>
@@ -3785,7 +3694,7 @@
             <a:fld id="{B61BEF0D-F0BB-DE4B-95CE-6DB70DBA9567}" type="datetimeFigureOut">
               <a:rPr lang="en-US" dirty="0"/>
               <a:pPr/>
-              <a:t>1/8/2023</a:t>
+              <a:t>1/12/2023</a:t>
             </a:fld>
             <a:endParaRPr lang="en-US" dirty="0"/>
           </a:p>
@@ -4074,7 +3983,7 @@
             <a:fld id="{B61BEF0D-F0BB-DE4B-95CE-6DB70DBA9567}" type="datetimeFigureOut">
               <a:rPr lang="en-US" dirty="0"/>
               <a:pPr/>
-              <a:t>1/8/2023</a:t>
+              <a:t>1/12/2023</a:t>
             </a:fld>
             <a:endParaRPr lang="en-US" dirty="0"/>
           </a:p>
@@ -4501,7 +4410,7 @@
             <a:fld id="{B61BEF0D-F0BB-DE4B-95CE-6DB70DBA9567}" type="datetimeFigureOut">
               <a:rPr lang="en-US" dirty="0"/>
               <a:pPr/>
-              <a:t>1/8/2023</a:t>
+              <a:t>1/12/2023</a:t>
             </a:fld>
             <a:endParaRPr lang="en-US" dirty="0"/>
           </a:p>
@@ -4621,7 +4530,7 @@
             <a:fld id="{B61BEF0D-F0BB-DE4B-95CE-6DB70DBA9567}" type="datetimeFigureOut">
               <a:rPr lang="en-US" dirty="0"/>
               <a:pPr/>
-              <a:t>1/8/2023</a:t>
+              <a:t>1/12/2023</a:t>
             </a:fld>
             <a:endParaRPr lang="en-US" dirty="0"/>
           </a:p>
@@ -4713,7 +4622,7 @@
             <a:fld id="{B61BEF0D-F0BB-DE4B-95CE-6DB70DBA9567}" type="datetimeFigureOut">
               <a:rPr lang="en-US" dirty="0"/>
               <a:pPr/>
-              <a:t>1/8/2023</a:t>
+              <a:t>1/12/2023</a:t>
             </a:fld>
             <a:endParaRPr lang="en-US" dirty="0"/>
           </a:p>
@@ -4993,7 +4902,7 @@
             <a:fld id="{B61BEF0D-F0BB-DE4B-95CE-6DB70DBA9567}" type="datetimeFigureOut">
               <a:rPr lang="en-US" dirty="0"/>
               <a:pPr/>
-              <a:t>1/8/2023</a:t>
+              <a:t>1/12/2023</a:t>
             </a:fld>
             <a:endParaRPr lang="en-US" dirty="0"/>
           </a:p>
@@ -5281,7 +5190,7 @@
             <a:fld id="{B61BEF0D-F0BB-DE4B-95CE-6DB70DBA9567}" type="datetimeFigureOut">
               <a:rPr lang="en-US" dirty="0"/>
               <a:pPr/>
-              <a:t>1/8/2023</a:t>
+              <a:t>1/12/2023</a:t>
             </a:fld>
             <a:endParaRPr lang="en-US" dirty="0"/>
           </a:p>
@@ -5509,7 +5418,7 @@
             <a:fld id="{B61BEF0D-F0BB-DE4B-95CE-6DB70DBA9567}" type="datetimeFigureOut">
               <a:rPr lang="en-US" dirty="0"/>
               <a:pPr/>
-              <a:t>1/8/2023</a:t>
+              <a:t>1/12/2023</a:t>
             </a:fld>
             <a:endParaRPr lang="en-US" dirty="0"/>
           </a:p>
@@ -6554,184 +6463,6 @@
     <p:extLst>
       <p:ext uri="{BB962C8B-B14F-4D97-AF65-F5344CB8AC3E}">
         <p14:creationId xmlns:p14="http://schemas.microsoft.com/office/powerpoint/2010/main" val="312893114"/>
-      </p:ext>
-    </p:extLst>
-  </p:cSld>
-  <p:clrMapOvr>
-    <a:masterClrMapping/>
-  </p:clrMapOvr>
-</p:sld>
-</file>
-
-<file path=ppt/slides/slide2.xml><?xml version="1.0" encoding="utf-8"?>
-<p:sld xmlns:a="http://schemas.openxmlformats.org/drawingml/2006/main" xmlns:r="http://schemas.openxmlformats.org/officeDocument/2006/relationships" xmlns:p="http://schemas.openxmlformats.org/presentationml/2006/main">
-  <p:cSld>
-    <p:spTree>
-      <p:nvGrpSpPr>
-        <p:cNvPr id="1" name=""/>
-        <p:cNvGrpSpPr/>
-        <p:nvPr/>
-      </p:nvGrpSpPr>
-      <p:grpSpPr>
-        <a:xfrm>
-          <a:off x="0" y="0"/>
-          <a:ext cx="0" cy="0"/>
-          <a:chOff x="0" y="0"/>
-          <a:chExt cx="0" cy="0"/>
-        </a:xfrm>
-      </p:grpSpPr>
-      <p:pic>
-        <p:nvPicPr>
-          <p:cNvPr id="6" name="Picture 5">
-            <a:extLst>
-              <a:ext uri="{FF2B5EF4-FFF2-40B4-BE49-F238E27FC236}">
-                <a16:creationId xmlns:a16="http://schemas.microsoft.com/office/drawing/2014/main" id="{7D1150AD-E424-490F-A3E6-147D047AF505}"/>
-              </a:ext>
-            </a:extLst>
-          </p:cNvPr>
-          <p:cNvPicPr>
-            <a:picLocks noChangeAspect="1"/>
-          </p:cNvPicPr>
-          <p:nvPr>
-            <p:custDataLst>
-              <p:custData r:id="rId1"/>
-            </p:custDataLst>
-          </p:nvPr>
-        </p:nvPicPr>
-        <p:blipFill>
-          <a:blip r:embed="rId4"/>
-          <a:stretch>
-            <a:fillRect/>
-          </a:stretch>
-        </p:blipFill>
-        <p:spPr>
-          <a:xfrm>
-            <a:off x="-88884" y="-22188"/>
-            <a:ext cx="3183776" cy="860893"/>
-          </a:xfrm>
-          <a:prstGeom prst="rect">
-            <a:avLst/>
-          </a:prstGeom>
-        </p:spPr>
-      </p:pic>
-      <p:sp>
-        <p:nvSpPr>
-          <p:cNvPr id="5" name="AutoShape 4" descr="Serverless Vs Containers Deploy Speeds">
-            <a:extLst>
-              <a:ext uri="{FF2B5EF4-FFF2-40B4-BE49-F238E27FC236}">
-                <a16:creationId xmlns:a16="http://schemas.microsoft.com/office/drawing/2014/main" id="{74838526-8A97-43C5-AA2E-50438D453F15}"/>
-              </a:ext>
-            </a:extLst>
-          </p:cNvPr>
-          <p:cNvSpPr>
-            <a:spLocks noChangeAspect="1" noChangeArrowheads="1"/>
-          </p:cNvSpPr>
-          <p:nvPr/>
-        </p:nvSpPr>
-        <p:spPr bwMode="auto">
-          <a:xfrm>
-            <a:off x="5943599" y="3276599"/>
-            <a:ext cx="2719137" cy="2719137"/>
-          </a:xfrm>
-          <a:prstGeom prst="rect">
-            <a:avLst/>
-          </a:prstGeom>
-          <a:noFill/>
-          <a:extLst>
-            <a:ext uri="{909E8E84-426E-40DD-AFC4-6F175D3DCCD1}">
-              <a14:hiddenFill xmlns:a14="http://schemas.microsoft.com/office/drawing/2010/main">
-                <a:solidFill>
-                  <a:srgbClr val="FFFFFF"/>
-                </a:solidFill>
-              </a14:hiddenFill>
-            </a:ext>
-          </a:extLst>
-        </p:spPr>
-        <p:txBody>
-          <a:bodyPr vert="horz" wrap="square" lIns="91440" tIns="45720" rIns="91440" bIns="45720" numCol="1" anchor="t" anchorCtr="0" compatLnSpc="1">
-            <a:prstTxWarp prst="textNoShape">
-              <a:avLst/>
-            </a:prstTxWarp>
-          </a:bodyPr>
-          <a:lstStyle/>
-          <a:p>
-            <a:endParaRPr lang="en-BE"/>
-          </a:p>
-        </p:txBody>
-      </p:sp>
-      <p:sp>
-        <p:nvSpPr>
-          <p:cNvPr id="4" name="Title 3">
-            <a:extLst>
-              <a:ext uri="{FF2B5EF4-FFF2-40B4-BE49-F238E27FC236}">
-                <a16:creationId xmlns:a16="http://schemas.microsoft.com/office/drawing/2014/main" id="{29D87857-8B86-4E40-B4FD-6ECD4DA8BEC6}"/>
-              </a:ext>
-            </a:extLst>
-          </p:cNvPr>
-          <p:cNvSpPr>
-            <a:spLocks noGrp="1"/>
-          </p:cNvSpPr>
-          <p:nvPr>
-            <p:ph type="ctrTitle"/>
-          </p:nvPr>
-        </p:nvSpPr>
-        <p:spPr>
-          <a:xfrm>
-            <a:off x="172343" y="695968"/>
-            <a:ext cx="11542512" cy="860893"/>
-          </a:xfrm>
-        </p:spPr>
-        <p:txBody>
-          <a:bodyPr/>
-          <a:lstStyle/>
-          <a:p>
-            <a:r>
-              <a:rPr lang="fr-BE" dirty="0"/>
-              <a:t>SESSION BADGES</a:t>
-            </a:r>
-            <a:endParaRPr lang="en-BE" dirty="0"/>
-          </a:p>
-        </p:txBody>
-      </p:sp>
-      <p:sp>
-        <p:nvSpPr>
-          <p:cNvPr id="8" name="TextBox 7">
-            <a:extLst>
-              <a:ext uri="{FF2B5EF4-FFF2-40B4-BE49-F238E27FC236}">
-                <a16:creationId xmlns:a16="http://schemas.microsoft.com/office/drawing/2014/main" id="{E945BC42-63B2-9B21-BC68-C4B2B0C08A19}"/>
-              </a:ext>
-            </a:extLst>
-          </p:cNvPr>
-          <p:cNvSpPr txBox="1"/>
-          <p:nvPr/>
-        </p:nvSpPr>
-        <p:spPr>
-          <a:xfrm>
-            <a:off x="311809" y="1556861"/>
-            <a:ext cx="11664273" cy="584775"/>
-          </a:xfrm>
-          <a:prstGeom prst="rect">
-            <a:avLst/>
-          </a:prstGeom>
-          <a:noFill/>
-        </p:spPr>
-        <p:txBody>
-          <a:bodyPr wrap="square" rtlCol="0">
-            <a:spAutoFit/>
-          </a:bodyPr>
-          <a:lstStyle/>
-          <a:p>
-            <a:r>
-              <a:rPr lang="en-US" sz="3200" dirty="0"/>
-              <a:t>P</a:t>
-            </a:r>
-          </a:p>
-        </p:txBody>
-      </p:sp>
-    </p:spTree>
-    <p:extLst>
-      <p:ext uri="{BB962C8B-B14F-4D97-AF65-F5344CB8AC3E}">
-        <p14:creationId xmlns:p14="http://schemas.microsoft.com/office/powerpoint/2010/main" val="1459133588"/>
       </p:ext>
     </p:extLst>
   </p:cSld>
@@ -7337,7 +7068,7 @@
 </file>
 
 <file path=customXml/itemProps2.xml><?xml version="1.0" encoding="utf-8"?>
-<ds:datastoreItem xmlns:ds="http://schemas.openxmlformats.org/officeDocument/2006/customXml" ds:itemID="{C9A349EB-25C0-432F-BCC6-B672C9EAA1C2}">
+<ds:datastoreItem xmlns:ds="http://schemas.openxmlformats.org/officeDocument/2006/customXml" ds:itemID="{F521AA7D-8ADE-4AF5-9D20-5C2434E475D1}">
   <ds:schemaRefs>
     <ds:schemaRef ds:uri="http://schemas.microsoft.com/VisualStudio/2011/storyboarding/control"/>
   </ds:schemaRefs>
@@ -7345,7 +7076,7 @@
 </file>
 
 <file path=customXml/itemProps3.xml><?xml version="1.0" encoding="utf-8"?>
-<ds:datastoreItem xmlns:ds="http://schemas.openxmlformats.org/officeDocument/2006/customXml" ds:itemID="{D12F2BFF-C618-42A7-A799-D8722515C0FA}">
+<ds:datastoreItem xmlns:ds="http://schemas.openxmlformats.org/officeDocument/2006/customXml" ds:itemID="{F9EBE2CE-6713-4ACE-BA85-AE6B6C8A927D}">
   <ds:schemaRefs>
     <ds:schemaRef ds:uri="http://schemas.microsoft.com/VisualStudio/2011/storyboarding/control"/>
   </ds:schemaRefs>
@@ -7361,7 +7092,7 @@
 </file>
 
 <file path=customXml/itemProps5.xml><?xml version="1.0" encoding="utf-8"?>
-<ds:datastoreItem xmlns:ds="http://schemas.openxmlformats.org/officeDocument/2006/customXml" ds:itemID="{F9EBE2CE-6713-4ACE-BA85-AE6B6C8A927D}">
+<ds:datastoreItem xmlns:ds="http://schemas.openxmlformats.org/officeDocument/2006/customXml" ds:itemID="{D12F2BFF-C618-42A7-A799-D8722515C0FA}">
   <ds:schemaRefs>
     <ds:schemaRef ds:uri="http://schemas.microsoft.com/VisualStudio/2011/storyboarding/control"/>
   </ds:schemaRefs>
@@ -7369,7 +7100,7 @@
 </file>
 
 <file path=customXml/itemProps6.xml><?xml version="1.0" encoding="utf-8"?>
-<ds:datastoreItem xmlns:ds="http://schemas.openxmlformats.org/officeDocument/2006/customXml" ds:itemID="{F521AA7D-8ADE-4AF5-9D20-5C2434E475D1}">
+<ds:datastoreItem xmlns:ds="http://schemas.openxmlformats.org/officeDocument/2006/customXml" ds:itemID="{C9A349EB-25C0-432F-BCC6-B672C9EAA1C2}">
   <ds:schemaRefs>
     <ds:schemaRef ds:uri="http://schemas.microsoft.com/VisualStudio/2011/storyboarding/control"/>
   </ds:schemaRefs>
